--- a/CAPSTONE/Share Portfolio Prediction.pptx
+++ b/CAPSTONE/Share Portfolio Prediction.pptx
@@ -17474,7 +17474,7 @@
       </p:pic>
       <p:pic>
         <p:nvPicPr>
-          <p:cNvPr id="6" name="Picture 5"/>
+          <p:cNvPr id="4" name="Picture 3"/>
           <p:cNvPicPr>
             <a:picLocks noChangeAspect="1"/>
           </p:cNvPicPr>
@@ -17494,8 +17494,8 @@
         </p:blipFill>
         <p:spPr>
           <a:xfrm>
-            <a:off x="6070451" y="3011515"/>
-            <a:ext cx="4808107" cy="3846485"/>
+            <a:off x="6070451" y="3204519"/>
+            <a:ext cx="4705392" cy="3653481"/>
           </a:xfrm>
           <a:prstGeom prst="rect">
             <a:avLst/>
@@ -19805,7 +19805,31 @@
                   <a:schemeClr val="tx1"/>
                 </a:solidFill>
               </a:rPr>
-              <a:t>Below we have attached our prediction for the individual stocks well as the predicted performance of the portfolio from April 2018 to January 2020. The figures are worked out from the last day of the historical data to the last day of the forecast prediction</a:t>
+              <a:t>Below we have attached our prediction for the individual </a:t>
+            </a:r>
+            <a:r>
+              <a:rPr lang="en-US" sz="5600" smtClean="0">
+                <a:solidFill>
+                  <a:schemeClr val="tx1"/>
+                </a:solidFill>
+              </a:rPr>
+              <a:t>stocks </a:t>
+            </a:r>
+            <a:r>
+              <a:rPr lang="en-US" sz="5600" smtClean="0">
+                <a:solidFill>
+                  <a:schemeClr val="tx1"/>
+                </a:solidFill>
+              </a:rPr>
+              <a:t>as well </a:t>
+            </a:r>
+            <a:r>
+              <a:rPr lang="en-US" sz="5600" dirty="0" smtClean="0">
+                <a:solidFill>
+                  <a:schemeClr val="tx1"/>
+                </a:solidFill>
+              </a:rPr>
+              <a:t>as the predicted performance of the portfolio from April 2018 to January 2020. The figures are worked out from the last day of the historical data to the last day of the forecast prediction</a:t>
             </a:r>
             <a:endParaRPr lang="en-US" sz="5600" dirty="0">
               <a:solidFill>
